--- a/LaptopFinder.pptx
+++ b/LaptopFinder.pptx
@@ -218,7 +218,7 @@
           <a:p>
             <a:fld id="{B1744AD1-7E96-455A-8C7F-605A7DD0F917}" type="datetimeFigureOut">
               <a:rPr lang="en-US" smtClean="0"/>
-              <a:t>10/1/19</a:t>
+              <a:t>10/2/19</a:t>
             </a:fld>
             <a:endParaRPr lang="en-US"/>
           </a:p>
@@ -7274,7 +7274,7 @@
           <a:p>
             <a:pPr lvl="0"/>
             <a:r>
-              <a:rPr lang="en-US" altLang="ko-KR" sz="4400" dirty="0" smtClean="0">
+              <a:rPr lang="en-US" altLang="ko-KR" sz="4400" dirty="0">
                 <a:latin typeface="Abadi MT Condensed Extra Bold" charset="0"/>
                 <a:ea typeface="Abadi MT Condensed Extra Bold" charset="0"/>
                 <a:cs typeface="Abadi MT Condensed Extra Bold" charset="0"/>
@@ -7326,20 +7326,12 @@
               <a:t> </a:t>
             </a:r>
             <a:r>
-              <a:rPr lang="en-US" sz="1600" dirty="0" err="1" smtClean="0">
+              <a:rPr lang="en-US" sz="1600" dirty="0" err="1">
                 <a:latin typeface="Abadi MT Condensed Light" charset="0"/>
                 <a:ea typeface="Abadi MT Condensed Light" charset="0"/>
                 <a:cs typeface="Abadi MT Condensed Light" charset="0"/>
               </a:rPr>
               <a:t>Doshi</a:t>
-            </a:r>
-            <a:r>
-              <a:rPr lang="en-US" sz="1600" dirty="0">
-                <a:latin typeface="Abadi MT Condensed Light" charset="0"/>
-                <a:ea typeface="Abadi MT Condensed Light" charset="0"/>
-                <a:cs typeface="Abadi MT Condensed Light" charset="0"/>
-              </a:rPr>
-              <a:t/>
             </a:r>
             <a:br>
               <a:rPr lang="en-US" sz="1600" dirty="0">
@@ -7364,14 +7356,6 @@
               </a:rPr>
               <a:t>Fukamachi</a:t>
             </a:r>
-            <a:r>
-              <a:rPr lang="en-US" sz="1600" dirty="0">
-                <a:latin typeface="Abadi MT Condensed Light" charset="0"/>
-                <a:ea typeface="Abadi MT Condensed Light" charset="0"/>
-                <a:cs typeface="Abadi MT Condensed Light" charset="0"/>
-              </a:rPr>
-              <a:t/>
-            </a:r>
             <a:br>
               <a:rPr lang="en-US" sz="1600" dirty="0">
                 <a:latin typeface="Abadi MT Condensed Light" charset="0"/>
@@ -7394,14 +7378,6 @@
                 <a:cs typeface="Abadi MT Condensed Light" charset="0"/>
               </a:rPr>
               <a:t>Dombrowski</a:t>
-            </a:r>
-            <a:r>
-              <a:rPr lang="en-US" sz="1600" dirty="0">
-                <a:latin typeface="Abadi MT Condensed Light" charset="0"/>
-                <a:ea typeface="Abadi MT Condensed Light" charset="0"/>
-                <a:cs typeface="Abadi MT Condensed Light" charset="0"/>
-              </a:rPr>
-              <a:t/>
             </a:r>
             <a:br>
               <a:rPr lang="en-US" sz="1600" dirty="0">
@@ -7434,14 +7410,6 @@
               </a:rPr>
               <a:t>Nwaka</a:t>
             </a:r>
-            <a:r>
-              <a:rPr lang="en-US" sz="1600" dirty="0">
-                <a:latin typeface="Abadi MT Condensed Light" charset="0"/>
-                <a:ea typeface="Abadi MT Condensed Light" charset="0"/>
-                <a:cs typeface="Abadi MT Condensed Light" charset="0"/>
-              </a:rPr>
-              <a:t/>
-            </a:r>
             <a:br>
               <a:rPr lang="en-US" sz="1600" dirty="0">
                 <a:latin typeface="Abadi MT Condensed Light" charset="0"/>
@@ -7469,6 +7437,73 @@
               <a:latin typeface="Abadi MT Condensed Light" charset="0"/>
               <a:ea typeface="Abadi MT Condensed Light" charset="0"/>
               <a:cs typeface="Abadi MT Condensed Light" charset="0"/>
+            </a:endParaRPr>
+          </a:p>
+        </p:txBody>
+      </p:sp>
+      <p:sp>
+        <p:nvSpPr>
+          <p:cNvPr id="2" name="TextBox 1">
+            <a:extLst>
+              <a:ext uri="{FF2B5EF4-FFF2-40B4-BE49-F238E27FC236}">
+                <a16:creationId xmlns:a16="http://schemas.microsoft.com/office/drawing/2014/main" id="{A5031BBC-16DF-7C4E-A903-3EEE83BF8225}"/>
+              </a:ext>
+            </a:extLst>
+          </p:cNvPr>
+          <p:cNvSpPr txBox="1"/>
+          <p:nvPr/>
+        </p:nvSpPr>
+        <p:spPr>
+          <a:xfrm>
+            <a:off x="33536" y="3899252"/>
+            <a:ext cx="6282444" cy="369332"/>
+          </a:xfrm>
+          <a:prstGeom prst="rect">
+            <a:avLst/>
+          </a:prstGeom>
+          <a:noFill/>
+        </p:spPr>
+        <p:txBody>
+          <a:bodyPr wrap="square" rtlCol="0">
+            <a:spAutoFit/>
+          </a:bodyPr>
+          <a:lstStyle/>
+          <a:p>
+            <a:r>
+              <a:rPr lang="en-US" u="sng" dirty="0">
+                <a:solidFill>
+                  <a:schemeClr val="bg1"/>
+                </a:solidFill>
+                <a:hlinkClick r:id="rId2">
+                  <a:extLst>
+                    <a:ext uri="{A12FA001-AC4F-418D-AE19-62706E023703}">
+                      <ahyp:hlinkClr xmlns:ahyp="http://schemas.microsoft.com/office/drawing/2018/hyperlinkcolor" val="tx"/>
+                    </a:ext>
+                  </a:extLst>
+                </a:hlinkClick>
+              </a:rPr>
+              <a:t>https://laptopfinder.herokuapp.com/</a:t>
+            </a:r>
+            <a:r>
+              <a:rPr lang="en-US" u="sng" dirty="0">
+                <a:solidFill>
+                  <a:schemeClr val="bg1"/>
+                </a:solidFill>
+              </a:rPr>
+              <a:t>homepage/</a:t>
+            </a:r>
+            <a:r>
+              <a:rPr lang="en-US" u="sng" dirty="0" err="1">
+                <a:solidFill>
+                  <a:schemeClr val="bg1"/>
+                </a:solidFill>
+              </a:rPr>
+              <a:t>index.html</a:t>
+            </a:r>
+            <a:endParaRPr lang="en-US" dirty="0">
+              <a:solidFill>
+                <a:schemeClr val="bg1"/>
+              </a:solidFill>
             </a:endParaRPr>
           </a:p>
         </p:txBody>
@@ -7618,7 +7653,7 @@
           <a:p>
             <a:pPr algn="l"/>
             <a:r>
-              <a:rPr lang="en-US" sz="3600" dirty="0" smtClean="0">
+              <a:rPr lang="en-US" sz="3600" dirty="0">
                 <a:solidFill>
                   <a:schemeClr val="bg1"/>
                 </a:solidFill>
@@ -7628,14 +7663,6 @@
               </a:rPr>
               <a:t>What is Laptop Finder?</a:t>
             </a:r>
-            <a:endParaRPr lang="en-US" sz="3600" dirty="0">
-              <a:solidFill>
-                <a:schemeClr val="bg1"/>
-              </a:solidFill>
-              <a:latin typeface="Abadi MT Condensed Extra Bold" charset="0"/>
-              <a:ea typeface="Abadi MT Condensed Extra Bold" charset="0"/>
-              <a:cs typeface="Abadi MT Condensed Extra Bold" charset="0"/>
-            </a:endParaRPr>
           </a:p>
         </p:txBody>
       </p:sp>
@@ -7819,23 +7846,7 @@
                   <a:ea typeface="Abadi MT Condensed Light" charset="0"/>
                   <a:cs typeface="Abadi MT Condensed Light" charset="0"/>
                 </a:rPr>
-                <a:t>Laptop Finder is a platform that has been created to </a:t>
-              </a:r>
-              <a:r>
-                <a:rPr lang="en-US" dirty="0" smtClean="0">
-                  <a:latin typeface="Abadi MT Condensed Light" charset="0"/>
-                  <a:ea typeface="Abadi MT Condensed Light" charset="0"/>
-                  <a:cs typeface="Abadi MT Condensed Light" charset="0"/>
-                </a:rPr>
-                <a:t>help </a:t>
-              </a:r>
-              <a:r>
-                <a:rPr lang="en-US" dirty="0">
-                  <a:latin typeface="Abadi MT Condensed Light" charset="0"/>
-                  <a:ea typeface="Abadi MT Condensed Light" charset="0"/>
-                  <a:cs typeface="Abadi MT Condensed Light" charset="0"/>
-                </a:rPr>
-                <a:t>users find the best laptop fit for their needs. </a:t>
+                <a:t>Laptop Finder is a platform that has been created to help users find the best laptop fit for their needs. </a:t>
               </a:r>
             </a:p>
           </p:txBody>
@@ -7951,49 +7962,17 @@
                   <a:ea typeface="Abadi MT Condensed Light" charset="0"/>
                   <a:cs typeface="Abadi MT Condensed Light" charset="0"/>
                 </a:rPr>
-                <a:t>From the scraping of best buy and fry’s websites, laptop finder has a </a:t>
+                <a:t>From the scraping of best buy and fry’s websites, laptop finder has a database devoted to provide users with different laptop choices </a:t>
               </a:r>
-              <a:r>
-                <a:rPr lang="en-US" dirty="0" smtClean="0">
-                  <a:latin typeface="Abadi MT Condensed Light" charset="0"/>
-                  <a:ea typeface="Abadi MT Condensed Light" charset="0"/>
-                  <a:cs typeface="Abadi MT Condensed Light" charset="0"/>
-                </a:rPr>
-                <a:t>database devoted </a:t>
-              </a:r>
+            </a:p>
+            <a:p>
               <a:r>
                 <a:rPr lang="en-US" dirty="0">
                   <a:latin typeface="Abadi MT Condensed Light" charset="0"/>
                   <a:ea typeface="Abadi MT Condensed Light" charset="0"/>
                   <a:cs typeface="Abadi MT Condensed Light" charset="0"/>
                 </a:rPr>
-                <a:t>to provide users with different laptop </a:t>
-              </a:r>
-              <a:r>
-                <a:rPr lang="en-US" dirty="0" smtClean="0">
-                  <a:latin typeface="Abadi MT Condensed Light" charset="0"/>
-                  <a:ea typeface="Abadi MT Condensed Light" charset="0"/>
-                  <a:cs typeface="Abadi MT Condensed Light" charset="0"/>
-                </a:rPr>
-                <a:t>choices </a:t>
-              </a:r>
-            </a:p>
-            <a:p>
-              <a:r>
-                <a:rPr lang="en-US" dirty="0" smtClean="0">
-                  <a:latin typeface="Abadi MT Condensed Light" charset="0"/>
-                  <a:ea typeface="Abadi MT Condensed Light" charset="0"/>
-                  <a:cs typeface="Abadi MT Condensed Light" charset="0"/>
-                </a:rPr>
-                <a:t>for </a:t>
-              </a:r>
-              <a:r>
-                <a:rPr lang="en-US" dirty="0">
-                  <a:latin typeface="Abadi MT Condensed Light" charset="0"/>
-                  <a:ea typeface="Abadi MT Condensed Light" charset="0"/>
-                  <a:cs typeface="Abadi MT Condensed Light" charset="0"/>
-                </a:rPr>
-                <a:t>different uses and needs.</a:t>
+                <a:t>for different uses and needs.</a:t>
               </a:r>
             </a:p>
             <a:p>
@@ -8056,11 +8035,6 @@
                 </a:rPr>
                 <a:t>Users can also compare different laptops to find which laptop fits them the best.</a:t>
               </a:r>
-              <a:endParaRPr lang="en-US" dirty="0">
-                <a:latin typeface="Abadi MT Condensed Light" charset="0"/>
-                <a:ea typeface="Abadi MT Condensed Light" charset="0"/>
-                <a:cs typeface="Abadi MT Condensed Light" charset="0"/>
-              </a:endParaRPr>
             </a:p>
           </p:txBody>
         </p:sp>
@@ -8184,7 +8158,7 @@
           <a:lstStyle/>
           <a:p>
             <a:r>
-              <a:rPr lang="en-US" altLang="ko-KR" sz="4000" dirty="0" smtClean="0">
+              <a:rPr lang="en-US" altLang="ko-KR" sz="4000" dirty="0">
                 <a:latin typeface="Abadi MT Condensed Extra Bold" charset="0"/>
                 <a:ea typeface="Abadi MT Condensed Extra Bold" charset="0"/>
                 <a:cs typeface="Abadi MT Condensed Extra Bold" charset="0"/>
@@ -8389,7 +8363,7 @@
               <a:buNone/>
             </a:pPr>
             <a:r>
-              <a:rPr lang="en-US" sz="1800" b="1" dirty="0" smtClean="0">
+              <a:rPr lang="en-US" sz="1800" b="1" dirty="0">
                 <a:solidFill>
                   <a:schemeClr val="bg1"/>
                 </a:solidFill>
@@ -8399,14 +8373,6 @@
               </a:rPr>
               <a:t>STEP 1</a:t>
             </a:r>
-            <a:endParaRPr lang="en-US" sz="1800" b="1" dirty="0">
-              <a:solidFill>
-                <a:schemeClr val="bg1"/>
-              </a:solidFill>
-              <a:latin typeface="Abadi MT Condensed Extra Bold" charset="0"/>
-              <a:ea typeface="Abadi MT Condensed Extra Bold" charset="0"/>
-              <a:cs typeface="Abadi MT Condensed Extra Bold" charset="0"/>
-            </a:endParaRPr>
           </a:p>
         </p:txBody>
       </p:sp>
@@ -8575,7 +8541,7 @@
               <a:buNone/>
             </a:pPr>
             <a:r>
-              <a:rPr lang="en-US" sz="1800" b="1" dirty="0" smtClean="0">
+              <a:rPr lang="en-US" sz="1800" b="1" dirty="0">
                 <a:solidFill>
                   <a:schemeClr val="bg1"/>
                 </a:solidFill>
@@ -8585,14 +8551,6 @@
               </a:rPr>
               <a:t>STEP 2</a:t>
             </a:r>
-            <a:endParaRPr lang="en-US" sz="1800" b="1" dirty="0">
-              <a:solidFill>
-                <a:schemeClr val="bg1"/>
-              </a:solidFill>
-              <a:latin typeface="Abadi MT Condensed Extra Bold" charset="0"/>
-              <a:ea typeface="Abadi MT Condensed Extra Bold" charset="0"/>
-              <a:cs typeface="Abadi MT Condensed Extra Bold" charset="0"/>
-            </a:endParaRPr>
           </a:p>
         </p:txBody>
       </p:sp>
@@ -8761,7 +8719,7 @@
               <a:buNone/>
             </a:pPr>
             <a:r>
-              <a:rPr lang="en-US" sz="1800" b="1" dirty="0" smtClean="0">
+              <a:rPr lang="en-US" sz="1800" b="1" dirty="0">
                 <a:solidFill>
                   <a:schemeClr val="bg1"/>
                 </a:solidFill>
@@ -8771,14 +8729,6 @@
               </a:rPr>
               <a:t>STEP 3</a:t>
             </a:r>
-            <a:endParaRPr lang="en-US" sz="1800" b="1" dirty="0">
-              <a:solidFill>
-                <a:schemeClr val="bg1"/>
-              </a:solidFill>
-              <a:latin typeface="Abadi MT Condensed Extra Bold" charset="0"/>
-              <a:ea typeface="Abadi MT Condensed Extra Bold" charset="0"/>
-              <a:cs typeface="Abadi MT Condensed Extra Bold" charset="0"/>
-            </a:endParaRPr>
           </a:p>
         </p:txBody>
       </p:sp>
@@ -8947,7 +8897,7 @@
               <a:buNone/>
             </a:pPr>
             <a:r>
-              <a:rPr lang="en-US" sz="1800" b="1" dirty="0" smtClean="0">
+              <a:rPr lang="en-US" sz="1800" b="1" dirty="0">
                 <a:solidFill>
                   <a:schemeClr val="bg1"/>
                 </a:solidFill>
@@ -8957,14 +8907,6 @@
               </a:rPr>
               <a:t>STEP 4</a:t>
             </a:r>
-            <a:endParaRPr lang="en-US" sz="1800" b="1" dirty="0">
-              <a:solidFill>
-                <a:schemeClr val="bg1"/>
-              </a:solidFill>
-              <a:latin typeface="Abadi MT Condensed Extra Bold" charset="0"/>
-              <a:ea typeface="Abadi MT Condensed Extra Bold" charset="0"/>
-              <a:cs typeface="Abadi MT Condensed Extra Bold" charset="0"/>
-            </a:endParaRPr>
           </a:p>
         </p:txBody>
       </p:sp>
@@ -9129,7 +9071,7 @@
               <a:buNone/>
             </a:pPr>
             <a:r>
-              <a:rPr lang="en-US" sz="1200" b="1" dirty="0" smtClean="0">
+              <a:rPr lang="en-US" sz="1200" b="1" dirty="0">
                 <a:solidFill>
                   <a:schemeClr val="bg1"/>
                 </a:solidFill>
@@ -9137,12 +9079,6 @@
               </a:rPr>
               <a:t>t</a:t>
             </a:r>
-            <a:endParaRPr lang="en-US" sz="1200" b="1" dirty="0">
-              <a:solidFill>
-                <a:schemeClr val="bg1"/>
-              </a:solidFill>
-              <a:cs typeface="Arial" pitchFamily="34" charset="0"/>
-            </a:endParaRPr>
           </a:p>
         </p:txBody>
       </p:sp>
@@ -9307,7 +9243,7 @@
               <a:buNone/>
             </a:pPr>
             <a:r>
-              <a:rPr lang="en-US" sz="1200" b="1" dirty="0" err="1" smtClean="0">
+              <a:rPr lang="en-US" sz="1200" b="1" dirty="0" err="1">
                 <a:solidFill>
                   <a:schemeClr val="bg1"/>
                 </a:solidFill>
@@ -9673,7 +9609,7 @@
           <p:cNvPr id="37" name="Pie 24">
             <a:extLst>
               <a:ext uri="{FF2B5EF4-FFF2-40B4-BE49-F238E27FC236}">
-                <a16:creationId xmlns="" xmlns:a16="http://schemas.microsoft.com/office/drawing/2014/main" id="{CF3895B4-9E1F-4834-8062-1F31A80D22BC}"/>
+                <a16:creationId xmlns:a16="http://schemas.microsoft.com/office/drawing/2014/main" id="{CF3895B4-9E1F-4834-8062-1F31A80D22BC}"/>
               </a:ext>
             </a:extLst>
           </p:cNvPr>
@@ -9802,7 +9738,7 @@
           <p:cNvPr id="38" name="Parallelogram 15">
             <a:extLst>
               <a:ext uri="{FF2B5EF4-FFF2-40B4-BE49-F238E27FC236}">
-                <a16:creationId xmlns="" xmlns:a16="http://schemas.microsoft.com/office/drawing/2014/main" id="{44CCA0B7-DC24-490E-B206-367E0094E123}"/>
+                <a16:creationId xmlns:a16="http://schemas.microsoft.com/office/drawing/2014/main" id="{44CCA0B7-DC24-490E-B206-367E0094E123}"/>
               </a:ext>
             </a:extLst>
           </p:cNvPr>
@@ -9944,7 +9880,7 @@
           <p:cNvPr id="39" name="Rectangle 9">
             <a:extLst>
               <a:ext uri="{FF2B5EF4-FFF2-40B4-BE49-F238E27FC236}">
-                <a16:creationId xmlns="" xmlns:a16="http://schemas.microsoft.com/office/drawing/2014/main" id="{235942B6-8C1A-42EB-9F51-07336F375144}"/>
+                <a16:creationId xmlns:a16="http://schemas.microsoft.com/office/drawing/2014/main" id="{235942B6-8C1A-42EB-9F51-07336F375144}"/>
               </a:ext>
             </a:extLst>
           </p:cNvPr>
@@ -11769,7 +11705,7 @@
           <p:cNvPr id="40" name="Rectangle 16">
             <a:extLst>
               <a:ext uri="{FF2B5EF4-FFF2-40B4-BE49-F238E27FC236}">
-                <a16:creationId xmlns="" xmlns:a16="http://schemas.microsoft.com/office/drawing/2014/main" id="{D32F8C45-73B0-46D7-9375-64A6136E5284}"/>
+                <a16:creationId xmlns:a16="http://schemas.microsoft.com/office/drawing/2014/main" id="{D32F8C45-73B0-46D7-9375-64A6136E5284}"/>
               </a:ext>
             </a:extLst>
           </p:cNvPr>
@@ -12359,7 +12295,7 @@
           <a:p>
             <a:pPr algn="ctr"/>
             <a:r>
-              <a:rPr lang="en-US" sz="2000" dirty="0" smtClean="0">
+              <a:rPr lang="en-US" sz="2000" dirty="0">
                 <a:latin typeface="Abadi MT Condensed Light" charset="0"/>
                 <a:ea typeface="Abadi MT Condensed Light" charset="0"/>
                 <a:cs typeface="Abadi MT Condensed Light" charset="0"/>
@@ -12370,7 +12306,7 @@
           <a:p>
             <a:pPr algn="ctr"/>
             <a:r>
-              <a:rPr lang="en-US" sz="2000" dirty="0" smtClean="0">
+              <a:rPr lang="en-US" sz="2000" dirty="0">
                 <a:latin typeface="Abadi MT Condensed Light" charset="0"/>
                 <a:ea typeface="Abadi MT Condensed Light" charset="0"/>
                 <a:cs typeface="Abadi MT Condensed Light" charset="0"/>
@@ -12381,7 +12317,7 @@
           <a:p>
             <a:pPr algn="ctr"/>
             <a:r>
-              <a:rPr lang="en-US" sz="2000" dirty="0" smtClean="0">
+              <a:rPr lang="en-US" sz="2000" dirty="0">
                 <a:latin typeface="Abadi MT Condensed Light" charset="0"/>
                 <a:ea typeface="Abadi MT Condensed Light" charset="0"/>
                 <a:cs typeface="Abadi MT Condensed Light" charset="0"/>
@@ -12392,7 +12328,7 @@
           <a:p>
             <a:pPr algn="ctr"/>
             <a:r>
-              <a:rPr lang="en-US" sz="2000" dirty="0" smtClean="0">
+              <a:rPr lang="en-US" sz="2000" dirty="0">
                 <a:latin typeface="Abadi MT Condensed Light" charset="0"/>
                 <a:ea typeface="Abadi MT Condensed Light" charset="0"/>
                 <a:cs typeface="Abadi MT Condensed Light" charset="0"/>
@@ -12403,7 +12339,7 @@
           <a:p>
             <a:pPr algn="ctr"/>
             <a:r>
-              <a:rPr lang="en-US" sz="2000" dirty="0" err="1" smtClean="0">
+              <a:rPr lang="en-US" sz="2000" dirty="0" err="1">
                 <a:latin typeface="Abadi MT Condensed Light" charset="0"/>
                 <a:ea typeface="Abadi MT Condensed Light" charset="0"/>
                 <a:cs typeface="Abadi MT Condensed Light" charset="0"/>
@@ -12453,31 +12389,18 @@
           <a:p>
             <a:pPr algn="ctr"/>
             <a:r>
-              <a:rPr lang="en-US" sz="2000" dirty="0" smtClean="0">
-                <a:latin typeface="Abadi MT Condensed Light" charset="0"/>
-                <a:ea typeface="Abadi MT Condensed Light" charset="0"/>
-                <a:cs typeface="Abadi MT Condensed Light" charset="0"/>
-              </a:rPr>
-              <a:t>cleaned </a:t>
-            </a:r>
-            <a:r>
               <a:rPr lang="en-US" sz="2000" dirty="0">
                 <a:latin typeface="Abadi MT Condensed Light" charset="0"/>
                 <a:ea typeface="Abadi MT Condensed Light" charset="0"/>
                 <a:cs typeface="Abadi MT Condensed Light" charset="0"/>
               </a:rPr>
-              <a:t>and </a:t>
+              <a:t>cleaned and </a:t>
             </a:r>
-            <a:endParaRPr lang="en-US" sz="2000" dirty="0" smtClean="0">
-              <a:latin typeface="Abadi MT Condensed Light" charset="0"/>
-              <a:ea typeface="Abadi MT Condensed Light" charset="0"/>
-              <a:cs typeface="Abadi MT Condensed Light" charset="0"/>
-            </a:endParaRPr>
           </a:p>
           <a:p>
             <a:pPr algn="ctr"/>
             <a:r>
-              <a:rPr lang="en-US" sz="2000" dirty="0" smtClean="0">
+              <a:rPr lang="en-US" sz="2000" dirty="0">
                 <a:latin typeface="Abadi MT Condensed Light" charset="0"/>
                 <a:ea typeface="Abadi MT Condensed Light" charset="0"/>
                 <a:cs typeface="Abadi MT Condensed Light" charset="0"/>
@@ -12518,7 +12441,7 @@
           <a:p>
             <a:pPr algn="ctr"/>
             <a:r>
-              <a:rPr lang="en-US" dirty="0" smtClean="0">
+              <a:rPr lang="en-US" dirty="0">
                 <a:latin typeface="Abadi MT Condensed Light" charset="0"/>
                 <a:ea typeface="Abadi MT Condensed Light" charset="0"/>
                 <a:cs typeface="Abadi MT Condensed Light" charset="0"/>
@@ -12529,7 +12452,7 @@
           <a:p>
             <a:pPr algn="ctr"/>
             <a:r>
-              <a:rPr lang="en-US" dirty="0" smtClean="0">
+              <a:rPr lang="en-US" dirty="0">
                 <a:latin typeface="Abadi MT Condensed Light" charset="0"/>
                 <a:ea typeface="Abadi MT Condensed Light" charset="0"/>
                 <a:cs typeface="Abadi MT Condensed Light" charset="0"/>
@@ -12540,7 +12463,7 @@
           <a:p>
             <a:pPr algn="ctr"/>
             <a:r>
-              <a:rPr lang="en-US" dirty="0" smtClean="0">
+              <a:rPr lang="en-US" dirty="0">
                 <a:latin typeface="Abadi MT Condensed Light" charset="0"/>
                 <a:ea typeface="Abadi MT Condensed Light" charset="0"/>
                 <a:cs typeface="Abadi MT Condensed Light" charset="0"/>
@@ -12551,18 +12474,13 @@
           <a:p>
             <a:pPr algn="ctr"/>
             <a:r>
-              <a:rPr lang="en-US" dirty="0" smtClean="0">
+              <a:rPr lang="en-US" dirty="0">
                 <a:latin typeface="Abadi MT Condensed Light" charset="0"/>
                 <a:ea typeface="Abadi MT Condensed Light" charset="0"/>
                 <a:cs typeface="Abadi MT Condensed Light" charset="0"/>
               </a:rPr>
               <a:t>visualize</a:t>
             </a:r>
-            <a:endParaRPr lang="en-US" dirty="0">
-              <a:latin typeface="Abadi MT Condensed Light" charset="0"/>
-              <a:ea typeface="Abadi MT Condensed Light" charset="0"/>
-              <a:cs typeface="Abadi MT Condensed Light" charset="0"/>
-            </a:endParaRPr>
           </a:p>
         </p:txBody>
       </p:sp>
@@ -12590,7 +12508,7 @@
           <a:p>
             <a:pPr algn="ctr"/>
             <a:r>
-              <a:rPr lang="en-US" sz="2000" dirty="0" err="1" smtClean="0">
+              <a:rPr lang="en-US" sz="2000" dirty="0" err="1">
                 <a:latin typeface="Abadi MT Condensed Light" charset="0"/>
                 <a:ea typeface="Abadi MT Condensed Light" charset="0"/>
                 <a:cs typeface="Abadi MT Condensed Light" charset="0"/>
@@ -12598,7 +12516,7 @@
               <a:t>Heroku</a:t>
             </a:r>
             <a:r>
-              <a:rPr lang="en-US" sz="2000" dirty="0" smtClean="0">
+              <a:rPr lang="en-US" sz="2000" dirty="0">
                 <a:latin typeface="Abadi MT Condensed Light" charset="0"/>
                 <a:ea typeface="Abadi MT Condensed Light" charset="0"/>
                 <a:cs typeface="Abadi MT Condensed Light" charset="0"/>
@@ -12609,7 +12527,7 @@
           <a:p>
             <a:pPr algn="ctr"/>
             <a:r>
-              <a:rPr lang="en-US" sz="2000" dirty="0" smtClean="0">
+              <a:rPr lang="en-US" sz="2000" dirty="0">
                 <a:latin typeface="Abadi MT Condensed Light" charset="0"/>
                 <a:ea typeface="Abadi MT Condensed Light" charset="0"/>
                 <a:cs typeface="Abadi MT Condensed Light" charset="0"/>
@@ -12620,7 +12538,7 @@
           <a:p>
             <a:pPr algn="ctr"/>
             <a:r>
-              <a:rPr lang="en-US" sz="2000" dirty="0" smtClean="0">
+              <a:rPr lang="en-US" sz="2000" dirty="0">
                 <a:latin typeface="Abadi MT Condensed Light" charset="0"/>
                 <a:ea typeface="Abadi MT Condensed Light" charset="0"/>
                 <a:cs typeface="Abadi MT Condensed Light" charset="0"/>
@@ -12631,18 +12549,13 @@
           <a:p>
             <a:pPr algn="ctr"/>
             <a:r>
-              <a:rPr lang="en-US" sz="2000" dirty="0" smtClean="0">
+              <a:rPr lang="en-US" sz="2000" dirty="0">
                 <a:latin typeface="Abadi MT Condensed Light" charset="0"/>
                 <a:ea typeface="Abadi MT Condensed Light" charset="0"/>
                 <a:cs typeface="Abadi MT Condensed Light" charset="0"/>
               </a:rPr>
               <a:t>app</a:t>
             </a:r>
-            <a:endParaRPr lang="en-US" sz="2000" dirty="0">
-              <a:latin typeface="Abadi MT Condensed Light" charset="0"/>
-              <a:ea typeface="Abadi MT Condensed Light" charset="0"/>
-              <a:cs typeface="Abadi MT Condensed Light" charset="0"/>
-            </a:endParaRPr>
           </a:p>
         </p:txBody>
       </p:sp>
@@ -12703,7 +12616,7 @@
               <a:buNone/>
             </a:pPr>
             <a:r>
-              <a:rPr lang="en-US" altLang="ko-KR" sz="4000" dirty="0" smtClean="0">
+              <a:rPr lang="en-US" altLang="ko-KR" sz="4000" dirty="0">
                 <a:latin typeface="Abadi MT Condensed Extra Bold" charset="0"/>
                 <a:ea typeface="Abadi MT Condensed Extra Bold" charset="0"/>
                 <a:cs typeface="Abadi MT Condensed Extra Bold" charset="0"/>
@@ -12745,18 +12658,13 @@
               <a:buNone/>
             </a:pPr>
             <a:r>
-              <a:rPr lang="en-US" altLang="ko-KR" sz="1800" dirty="0" smtClean="0">
+              <a:rPr lang="en-US" altLang="ko-KR" sz="1800" dirty="0">
                 <a:latin typeface="Abadi MT Condensed Light" charset="0"/>
                 <a:ea typeface="Abadi MT Condensed Light" charset="0"/>
                 <a:cs typeface="Abadi MT Condensed Light" charset="0"/>
               </a:rPr>
               <a:t>Questions?</a:t>
             </a:r>
-            <a:endParaRPr lang="en-US" altLang="ko-KR" sz="1800" dirty="0">
-              <a:latin typeface="Abadi MT Condensed Light" charset="0"/>
-              <a:ea typeface="Abadi MT Condensed Light" charset="0"/>
-              <a:cs typeface="Abadi MT Condensed Light" charset="0"/>
-            </a:endParaRPr>
           </a:p>
         </p:txBody>
       </p:sp>
